--- a/PlatformDeveloperGuide/images/watchdog_sandwich.pptx
+++ b/PlatformDeveloperGuide/images/watchdog_sandwich.pptx
@@ -4489,7 +4489,7 @@
           <a:p>
             <a:fld id="{67187AE1-87DF-4843-9F94-3D99DBF3BED3}" type="datetimeFigureOut">
               <a:rPr lang="en-US" smtClean="0"/>
-              <a:t>4/22/2021</a:t>
+              <a:t>7/26/2021</a:t>
             </a:fld>
             <a:endParaRPr lang="en-US"/>
           </a:p>
@@ -10519,7 +10519,7 @@
               </a:lnSpc>
             </a:pPr>
             <a:r>
-              <a:rPr lang="fr-FR" sz="1100" b="1" dirty="0" err="1">
+              <a:rPr lang="fr-FR" sz="1000" b="1" dirty="0" err="1">
                 <a:solidFill>
                   <a:schemeClr val="bg1"/>
                 </a:solidFill>
@@ -10528,7 +10528,7 @@
               <a:t>Watchdog</a:t>
             </a:r>
             <a:r>
-              <a:rPr lang="fr-FR" sz="1100" b="1" dirty="0">
+              <a:rPr lang="fr-FR" sz="1000" b="1" dirty="0">
                 <a:solidFill>
                   <a:schemeClr val="bg1"/>
                 </a:solidFill>
@@ -10536,8 +10536,26 @@
               </a:rPr>
               <a:t> </a:t>
             </a:r>
+            <a:r>
+              <a:rPr lang="fr-FR" sz="1000" b="1" dirty="0" err="1">
+                <a:solidFill>
+                  <a:schemeClr val="bg1"/>
+                </a:solidFill>
+                <a:latin typeface="Source Sans Pro Light" charset="0"/>
+              </a:rPr>
+              <a:t>Timer</a:t>
+            </a:r>
+            <a:r>
+              <a:rPr lang="fr-FR" sz="1000" b="1" dirty="0">
+                <a:solidFill>
+                  <a:schemeClr val="bg1"/>
+                </a:solidFill>
+                <a:latin typeface="Source Sans Pro Light" charset="0"/>
+              </a:rPr>
+              <a:t> </a:t>
+            </a:r>
             <a:br>
-              <a:rPr lang="fr-FR" sz="1100" b="1" dirty="0">
+              <a:rPr lang="fr-FR" sz="1000" b="1" dirty="0">
                 <a:solidFill>
                   <a:schemeClr val="bg1"/>
                 </a:solidFill>
@@ -10545,7 +10563,7 @@
               </a:rPr>
             </a:br>
             <a:r>
-              <a:rPr lang="fr-FR" sz="1100" b="1" dirty="0" err="1">
+              <a:rPr lang="fr-FR" sz="1000" b="1" dirty="0" err="1">
                 <a:solidFill>
                   <a:schemeClr val="bg1"/>
                 </a:solidFill>
@@ -10554,7 +10572,7 @@
               <a:t>Generic</a:t>
             </a:r>
             <a:r>
-              <a:rPr lang="fr-FR" sz="1100" b="1" dirty="0">
+              <a:rPr lang="fr-FR" sz="1000" b="1" dirty="0">
                 <a:solidFill>
                   <a:schemeClr val="bg1"/>
                 </a:solidFill>
@@ -10562,7 +10580,7 @@
               </a:rPr>
               <a:t> stack</a:t>
             </a:r>
-            <a:endParaRPr lang="en-US" sz="1100" b="1" dirty="0">
+            <a:endParaRPr lang="en-US" sz="1000" b="1" dirty="0">
               <a:solidFill>
                 <a:schemeClr val="bg1"/>
               </a:solidFill>
@@ -12276,8 +12294,8 @@
         </p:nvSpPr>
         <p:spPr>
           <a:xfrm>
-            <a:off x="1780968" y="1534482"/>
-            <a:ext cx="900003" cy="454223"/>
+            <a:off x="1780968" y="1454324"/>
+            <a:ext cx="900003" cy="534382"/>
           </a:xfrm>
           <a:prstGeom prst="roundRect">
             <a:avLst>
@@ -12314,7 +12332,7 @@
           <a:p>
             <a:pPr algn="ctr"/>
             <a:r>
-              <a:rPr lang="en-US" sz="1200" b="1" dirty="0">
+              <a:rPr lang="en-US" sz="1100" b="1" dirty="0">
                 <a:solidFill>
                   <a:schemeClr val="bg1"/>
                 </a:solidFill>
@@ -12322,7 +12340,21 @@
                 <a:ea typeface="Source Sans Pro Light" charset="0"/>
                 <a:cs typeface="Source Sans Pro Light" charset="0"/>
               </a:rPr>
-              <a:t>Watchdog Java API</a:t>
+              <a:t>Watchdog Timer </a:t>
+            </a:r>
+          </a:p>
+          <a:p>
+            <a:pPr algn="ctr"/>
+            <a:r>
+              <a:rPr lang="en-US" sz="1100" b="1" dirty="0">
+                <a:solidFill>
+                  <a:schemeClr val="bg1"/>
+                </a:solidFill>
+                <a:latin typeface="Source Sans Pro Light" charset="0"/>
+                <a:ea typeface="Source Sans Pro Light" charset="0"/>
+                <a:cs typeface="Source Sans Pro Light" charset="0"/>
+              </a:rPr>
+              <a:t>Java API</a:t>
             </a:r>
           </a:p>
         </p:txBody>
@@ -12885,7 +12917,7 @@
         </p:nvSpPr>
         <p:spPr>
           <a:xfrm>
-            <a:off x="2776599" y="3428522"/>
+            <a:off x="3018612" y="3435785"/>
             <a:ext cx="897966" cy="347100"/>
           </a:xfrm>
           <a:prstGeom prst="roundRect">
@@ -13163,8 +13195,8 @@
         </p:nvSpPr>
         <p:spPr>
           <a:xfrm>
-            <a:off x="1782959" y="3422606"/>
-            <a:ext cx="897966" cy="352586"/>
+            <a:off x="1782958" y="3422606"/>
+            <a:ext cx="1120039" cy="352586"/>
           </a:xfrm>
           <a:prstGeom prst="roundRect">
             <a:avLst>
@@ -13201,7 +13233,7 @@
           <a:p>
             <a:pPr algn="ctr"/>
             <a:r>
-              <a:rPr lang="en-US" sz="1200" b="1" dirty="0">
+              <a:rPr lang="en-US" sz="1000" b="1" dirty="0">
                 <a:solidFill>
                   <a:schemeClr val="bg1"/>
                 </a:solidFill>
@@ -13209,7 +13241,7 @@
                 <a:ea typeface="Source Sans Pro Light" charset="0"/>
                 <a:cs typeface="Source Sans Pro Light" charset="0"/>
               </a:rPr>
-              <a:t>Watchdog Helper</a:t>
+              <a:t>Watchdog Timer Helper</a:t>
             </a:r>
           </a:p>
         </p:txBody>
@@ -13291,7 +13323,7 @@
         <p:spPr>
           <a:xfrm>
             <a:off x="1572861" y="5990891"/>
-            <a:ext cx="2002151" cy="215444"/>
+            <a:ext cx="2425344" cy="215444"/>
           </a:xfrm>
           <a:prstGeom prst="rect">
             <a:avLst/>
@@ -13339,6 +13371,34 @@
                 <a:cs typeface="Source Sans Pro Light" charset="0"/>
               </a:rPr>
               <a:t>Watchdog</a:t>
+            </a:r>
+            <a:r>
+              <a:rPr lang="fr-FR" sz="1400" b="0" i="0" spc="0" dirty="0">
+                <a:ln>
+                  <a:noFill/>
+                </a:ln>
+                <a:solidFill>
+                  <a:schemeClr val="tx2"/>
+                </a:solidFill>
+                <a:latin typeface="Source Sans Pro Light" charset="0"/>
+                <a:ea typeface="Source Sans Pro Light" charset="0"/>
+                <a:cs typeface="Source Sans Pro Light" charset="0"/>
+              </a:rPr>
+              <a:t> </a:t>
+            </a:r>
+            <a:r>
+              <a:rPr lang="fr-FR" sz="1400" b="0" i="0" spc="0" dirty="0" err="1">
+                <a:ln>
+                  <a:noFill/>
+                </a:ln>
+                <a:solidFill>
+                  <a:schemeClr val="tx2"/>
+                </a:solidFill>
+                <a:latin typeface="Source Sans Pro Light" charset="0"/>
+                <a:ea typeface="Source Sans Pro Light" charset="0"/>
+                <a:cs typeface="Source Sans Pro Light" charset="0"/>
+              </a:rPr>
+              <a:t>timer</a:t>
             </a:r>
             <a:r>
               <a:rPr lang="fr-FR" sz="1400" b="0" i="0" spc="0" dirty="0">
